--- a/HOL RedShirtTour.pptx
+++ b/HOL RedShirtTour.pptx
@@ -6,7 +6,7 @@
     <p:sldMasterId id="2147483680" r:id="rId5"/>
   </p:sldMasterIdLst>
   <p:notesMasterIdLst>
-    <p:notesMasterId r:id="rId25"/>
+    <p:notesMasterId r:id="rId26"/>
   </p:notesMasterIdLst>
   <p:sldIdLst>
     <p:sldId id="256" r:id="rId6"/>
@@ -26,8 +26,9 @@
     <p:sldId id="359" r:id="rId20"/>
     <p:sldId id="360" r:id="rId21"/>
     <p:sldId id="361" r:id="rId22"/>
-    <p:sldId id="324" r:id="rId23"/>
-    <p:sldId id="263" r:id="rId24"/>
+    <p:sldId id="362" r:id="rId23"/>
+    <p:sldId id="324" r:id="rId24"/>
+    <p:sldId id="263" r:id="rId25"/>
   </p:sldIdLst>
   <p:sldSz cx="9144000" cy="5143500" type="screen16x9"/>
   <p:notesSz cx="6858000" cy="9144000"/>
@@ -1187,7 +1188,7 @@
                 <a:tabLst/>
                 <a:defRPr/>
               </a:pPr>
-              <a:t>18</a:t>
+              <a:t>19</a:t>
             </a:fld>
             <a:endParaRPr kumimoji="0" lang="en-US" sz="1800" b="0" i="0" u="none" strike="noStrike" kern="0" cap="none" spc="0" normalizeH="0" baseline="0" noProof="0">
               <a:ln>
@@ -20669,28 +20670,275 @@
           <a:chExt cx="0" cy="0"/>
         </a:xfrm>
       </p:grpSpPr>
+      <p:sp>
+        <p:nvSpPr>
+          <p:cNvPr id="4" name="Titre 3"/>
+          <p:cNvSpPr>
+            <a:spLocks noGrp="1"/>
+          </p:cNvSpPr>
+          <p:nvPr>
+            <p:ph type="title"/>
+          </p:nvPr>
+        </p:nvSpPr>
+        <p:spPr/>
+        <p:txBody>
+          <a:bodyPr/>
+          <a:lstStyle/>
+          <a:p>
+            <a:r>
+              <a:rPr lang="fr-FR" dirty="0" err="1"/>
+              <a:t>Kubernetes</a:t>
+            </a:r>
+            <a:endParaRPr lang="fr-FR" dirty="0"/>
+          </a:p>
+        </p:txBody>
+      </p:sp>
+      <p:sp>
+        <p:nvSpPr>
+          <p:cNvPr id="6" name="Rectangle 5">
+            <a:extLst>
+              <a:ext uri="{FF2B5EF4-FFF2-40B4-BE49-F238E27FC236}">
+                <a16:creationId xmlns:a16="http://schemas.microsoft.com/office/drawing/2014/main" id="{3BA8D879-5E43-4435-90E5-D465953A4024}"/>
+              </a:ext>
+            </a:extLst>
+          </p:cNvPr>
+          <p:cNvSpPr/>
+          <p:nvPr/>
+        </p:nvSpPr>
+        <p:spPr>
+          <a:xfrm>
+            <a:off x="3684494" y="478869"/>
+            <a:ext cx="4572000" cy="4185761"/>
+          </a:xfrm>
+          <a:prstGeom prst="rect">
+            <a:avLst/>
+          </a:prstGeom>
+        </p:spPr>
+        <p:txBody>
+          <a:bodyPr>
+            <a:spAutoFit/>
+          </a:bodyPr>
+          <a:lstStyle/>
+          <a:p>
+            <a:r>
+              <a:rPr lang="en-US" sz="1400" dirty="0" err="1"/>
+              <a:t>apiVersion</a:t>
+            </a:r>
+            <a:r>
+              <a:rPr lang="en-US" sz="1400" dirty="0"/>
+              <a:t>:  apps/v1beta1</a:t>
+            </a:r>
+          </a:p>
+          <a:p>
+            <a:r>
+              <a:rPr lang="en-US" sz="1400" dirty="0"/>
+              <a:t>kind: Deployment</a:t>
+            </a:r>
+          </a:p>
+          <a:p>
+            <a:r>
+              <a:rPr lang="en-US" sz="1400" dirty="0"/>
+              <a:t>metadata:</a:t>
+            </a:r>
+          </a:p>
+          <a:p>
+            <a:r>
+              <a:rPr lang="en-US" sz="1400" dirty="0"/>
+              <a:t>  name: </a:t>
+            </a:r>
+            <a:r>
+              <a:rPr lang="en-US" sz="1400" dirty="0" err="1"/>
+              <a:t>minecraft</a:t>
+            </a:r>
+            <a:endParaRPr lang="en-US" sz="1400" dirty="0"/>
+          </a:p>
+          <a:p>
+            <a:r>
+              <a:rPr lang="en-US" sz="1400" dirty="0"/>
+              <a:t>  namespace: azure</a:t>
+            </a:r>
+          </a:p>
+          <a:p>
+            <a:r>
+              <a:rPr lang="en-US" sz="1400" dirty="0"/>
+              <a:t>spec:</a:t>
+            </a:r>
+          </a:p>
+          <a:p>
+            <a:r>
+              <a:rPr lang="en-US" sz="1400" dirty="0"/>
+              <a:t>  replicas: 1</a:t>
+            </a:r>
+          </a:p>
+          <a:p>
+            <a:r>
+              <a:rPr lang="en-US" sz="1400" dirty="0"/>
+              <a:t>  template:</a:t>
+            </a:r>
+          </a:p>
+          <a:p>
+            <a:r>
+              <a:rPr lang="en-US" sz="1400" dirty="0"/>
+              <a:t>    metadata:</a:t>
+            </a:r>
+          </a:p>
+          <a:p>
+            <a:r>
+              <a:rPr lang="en-US" sz="1400" dirty="0"/>
+              <a:t>      labels:</a:t>
+            </a:r>
+          </a:p>
+          <a:p>
+            <a:r>
+              <a:rPr lang="en-US" sz="1400" dirty="0"/>
+              <a:t>        app: </a:t>
+            </a:r>
+            <a:r>
+              <a:rPr lang="en-US" sz="1400" dirty="0" err="1"/>
+              <a:t>minecraft</a:t>
+            </a:r>
+            <a:endParaRPr lang="en-US" sz="1400" dirty="0"/>
+          </a:p>
+          <a:p>
+            <a:r>
+              <a:rPr lang="en-US" sz="1400" dirty="0"/>
+              <a:t>    spec:</a:t>
+            </a:r>
+          </a:p>
+          <a:p>
+            <a:r>
+              <a:rPr lang="en-US" sz="1400" dirty="0"/>
+              <a:t>      containers:</a:t>
+            </a:r>
+          </a:p>
+          <a:p>
+            <a:r>
+              <a:rPr lang="en-US" sz="1400" dirty="0"/>
+              <a:t>      - name: </a:t>
+            </a:r>
+            <a:r>
+              <a:rPr lang="en-US" sz="1400" dirty="0" err="1"/>
+              <a:t>minecraft</a:t>
+            </a:r>
+            <a:endParaRPr lang="en-US" sz="1400" dirty="0"/>
+          </a:p>
+          <a:p>
+            <a:r>
+              <a:rPr lang="en-US" sz="1400" dirty="0"/>
+              <a:t>        image: holdocker2018.azurecr.io/minecraft:0.1.0</a:t>
+            </a:r>
+          </a:p>
+          <a:p>
+            <a:r>
+              <a:rPr lang="en-US" sz="1400" dirty="0"/>
+              <a:t>        ports:</a:t>
+            </a:r>
+          </a:p>
+          <a:p>
+            <a:r>
+              <a:rPr lang="en-US" sz="1400" dirty="0"/>
+              <a:t>        - </a:t>
+            </a:r>
+            <a:r>
+              <a:rPr lang="en-US" sz="1400" dirty="0" err="1"/>
+              <a:t>containerPort</a:t>
+            </a:r>
+            <a:r>
+              <a:rPr lang="en-US" sz="1400" dirty="0"/>
+              <a:t>: 25565</a:t>
+            </a:r>
+          </a:p>
+          <a:p>
+            <a:r>
+              <a:rPr lang="en-US" sz="1400" dirty="0"/>
+              <a:t>      </a:t>
+            </a:r>
+            <a:r>
+              <a:rPr lang="en-US" sz="1400" dirty="0" err="1"/>
+              <a:t>imagePullSecrets</a:t>
+            </a:r>
+            <a:r>
+              <a:rPr lang="en-US" sz="1400" dirty="0"/>
+              <a:t>:</a:t>
+            </a:r>
+          </a:p>
+          <a:p>
+            <a:r>
+              <a:rPr lang="en-US" sz="1400" dirty="0"/>
+              <a:t>      - name: </a:t>
+            </a:r>
+            <a:r>
+              <a:rPr lang="en-US" sz="1400" dirty="0" err="1"/>
+              <a:t>azureregistry</a:t>
+            </a:r>
+            <a:endParaRPr lang="en-US" sz="1400" dirty="0"/>
+          </a:p>
+        </p:txBody>
+      </p:sp>
+      <p:sp>
+        <p:nvSpPr>
+          <p:cNvPr id="7" name="TextBox 6">
+            <a:extLst>
+              <a:ext uri="{FF2B5EF4-FFF2-40B4-BE49-F238E27FC236}">
+                <a16:creationId xmlns:a16="http://schemas.microsoft.com/office/drawing/2014/main" id="{E8510A0F-EF46-4DCD-AD3B-77F18C869A79}"/>
+              </a:ext>
+            </a:extLst>
+          </p:cNvPr>
+          <p:cNvSpPr txBox="1"/>
+          <p:nvPr/>
+        </p:nvSpPr>
+        <p:spPr>
+          <a:xfrm>
+            <a:off x="618565" y="1364876"/>
+            <a:ext cx="1496435" cy="1200329"/>
+          </a:xfrm>
+          <a:prstGeom prst="rect">
+            <a:avLst/>
+          </a:prstGeom>
+          <a:noFill/>
+        </p:spPr>
+        <p:txBody>
+          <a:bodyPr wrap="none" rtlCol="0">
+            <a:spAutoFit/>
+          </a:bodyPr>
+          <a:lstStyle/>
+          <a:p>
+            <a:r>
+              <a:rPr lang="en-US" dirty="0"/>
+              <a:t>YAML or JSON</a:t>
+            </a:r>
+          </a:p>
+          <a:p>
+            <a:r>
+              <a:rPr lang="en-US" dirty="0" err="1"/>
+              <a:t>Déclarative</a:t>
+            </a:r>
+            <a:endParaRPr lang="en-US" dirty="0"/>
+          </a:p>
+          <a:p>
+            <a:r>
+              <a:rPr lang="en-US" dirty="0"/>
+              <a:t>Simple</a:t>
+            </a:r>
+          </a:p>
+          <a:p>
+            <a:r>
+              <a:rPr lang="en-US" dirty="0"/>
+              <a:t>Idempotent</a:t>
+            </a:r>
+          </a:p>
+        </p:txBody>
+      </p:sp>
     </p:spTree>
     <p:extLst>
       <p:ext uri="{BB962C8B-B14F-4D97-AF65-F5344CB8AC3E}">
-        <p14:creationId xmlns:p14="http://schemas.microsoft.com/office/powerpoint/2010/main" val="3631347587"/>
+        <p14:creationId xmlns:p14="http://schemas.microsoft.com/office/powerpoint/2010/main" val="3369080211"/>
       </p:ext>
     </p:extLst>
   </p:cSld>
   <p:clrMapOvr>
     <a:masterClrMapping/>
   </p:clrMapOvr>
-  <mc:AlternateContent xmlns:mc="http://schemas.openxmlformats.org/markup-compatibility/2006" xmlns:p14="http://schemas.microsoft.com/office/powerpoint/2010/main">
-    <mc:Choice Requires="p14">
-      <p:transition spd="med" p14:dur="700">
-        <p:fade/>
-      </p:transition>
-    </mc:Choice>
-    <mc:Fallback xmlns:a14="http://schemas.microsoft.com/office/drawing/2010/main" xmlns:c="http://schemas.openxmlformats.org/drawingml/2006/chart" xmlns:dgm="http://schemas.openxmlformats.org/drawingml/2006/diagram" xmlns:cdr="http://schemas.openxmlformats.org/drawingml/2006/chartDrawing" xmlns:wne="http://schemas.microsoft.com/office/powerpoint/2006/powerpointml" xmlns:wp="http://schemas.openxmlformats.org/drawingml/2006/powerpointprocessingDrawing" xmlns:v="urn:schemas-microsoft-com:vml" xmlns:o="urn:schemas-microsoft-com:office:office" xmlns="">
-      <p:transition spd="med">
-        <p:fade/>
-      </p:transition>
-    </mc:Fallback>
-  </mc:AlternateContent>
 </p:sld>
 </file>
 
@@ -20714,13 +20962,25 @@
     </p:spTree>
     <p:extLst>
       <p:ext uri="{BB962C8B-B14F-4D97-AF65-F5344CB8AC3E}">
-        <p14:creationId xmlns:p14="http://schemas.microsoft.com/office/powerpoint/2010/main" val="3240331801"/>
+        <p14:creationId xmlns:p14="http://schemas.microsoft.com/office/powerpoint/2010/main" val="3631347587"/>
       </p:ext>
     </p:extLst>
   </p:cSld>
   <p:clrMapOvr>
     <a:masterClrMapping/>
   </p:clrMapOvr>
+  <mc:AlternateContent xmlns:mc="http://schemas.openxmlformats.org/markup-compatibility/2006" xmlns:p14="http://schemas.microsoft.com/office/powerpoint/2010/main">
+    <mc:Choice Requires="p14">
+      <p:transition spd="med" p14:dur="700">
+        <p:fade/>
+      </p:transition>
+    </mc:Choice>
+    <mc:Fallback xmlns="" xmlns:o="urn:schemas-microsoft-com:office:office" xmlns:v="urn:schemas-microsoft-com:vml" xmlns:wp="http://schemas.openxmlformats.org/drawingml/2006/powerpointprocessingDrawing" xmlns:wne="http://schemas.microsoft.com/office/powerpoint/2006/powerpointml" xmlns:cdr="http://schemas.openxmlformats.org/drawingml/2006/chartDrawing" xmlns:dgm="http://schemas.openxmlformats.org/drawingml/2006/diagram" xmlns:c="http://schemas.openxmlformats.org/drawingml/2006/chart" xmlns:a14="http://schemas.microsoft.com/office/drawing/2010/main">
+      <p:transition spd="med">
+        <p:fade/>
+      </p:transition>
+    </mc:Fallback>
+  </mc:AlternateContent>
 </p:sld>
 </file>
 
@@ -21903,6 +22163,36 @@
     <p:extLst>
       <p:ext uri="{BB962C8B-B14F-4D97-AF65-F5344CB8AC3E}">
         <p14:creationId xmlns:p14="http://schemas.microsoft.com/office/powerpoint/2010/main" val="3614452490"/>
+      </p:ext>
+    </p:extLst>
+  </p:cSld>
+  <p:clrMapOvr>
+    <a:masterClrMapping/>
+  </p:clrMapOvr>
+</p:sld>
+</file>
+
+<file path=ppt/slides/slide20.xml><?xml version="1.0" encoding="utf-8"?>
+<p:sld xmlns:a="http://schemas.openxmlformats.org/drawingml/2006/main" xmlns:r="http://schemas.openxmlformats.org/officeDocument/2006/relationships" xmlns:p="http://schemas.openxmlformats.org/presentationml/2006/main">
+  <p:cSld>
+    <p:spTree>
+      <p:nvGrpSpPr>
+        <p:cNvPr id="1" name=""/>
+        <p:cNvGrpSpPr/>
+        <p:nvPr/>
+      </p:nvGrpSpPr>
+      <p:grpSpPr>
+        <a:xfrm>
+          <a:off x="0" y="0"/>
+          <a:ext cx="0" cy="0"/>
+          <a:chOff x="0" y="0"/>
+          <a:chExt cx="0" cy="0"/>
+        </a:xfrm>
+      </p:grpSpPr>
+    </p:spTree>
+    <p:extLst>
+      <p:ext uri="{BB962C8B-B14F-4D97-AF65-F5344CB8AC3E}">
+        <p14:creationId xmlns:p14="http://schemas.microsoft.com/office/powerpoint/2010/main" val="3240331801"/>
       </p:ext>
     </p:extLst>
   </p:cSld>
@@ -25108,9 +25398,12 @@
 </file>
 
 <file path=customXml/item1.xml><?xml version="1.0" encoding="utf-8"?>
-<p:properties xmlns:p="http://schemas.microsoft.com/office/2006/metadata/properties" xmlns:xsi="http://www.w3.org/2001/XMLSchema-instance" xmlns:pc="http://schemas.microsoft.com/office/infopath/2007/PartnerControls">
-  <documentManagement/>
-</p:properties>
+<?mso-contentType ?>
+<FormTemplates xmlns="http://schemas.microsoft.com/sharepoint/v3/contenttype/forms">
+  <Display>DocumentLibraryForm</Display>
+  <Edit>DocumentLibraryForm</Edit>
+  <New>DocumentLibraryForm</New>
+</FormTemplates>
 </file>
 
 <file path=customXml/item2.xml><?xml version="1.0" encoding="utf-8"?>
@@ -25262,26 +25555,15 @@
 </file>
 
 <file path=customXml/item3.xml><?xml version="1.0" encoding="utf-8"?>
-<?mso-contentType ?>
-<FormTemplates xmlns="http://schemas.microsoft.com/sharepoint/v3/contenttype/forms">
-  <Display>DocumentLibraryForm</Display>
-  <Edit>DocumentLibraryForm</Edit>
-  <New>DocumentLibraryForm</New>
-</FormTemplates>
+<p:properties xmlns:p="http://schemas.microsoft.com/office/2006/metadata/properties" xmlns:xsi="http://www.w3.org/2001/XMLSchema-instance" xmlns:pc="http://schemas.microsoft.com/office/infopath/2007/PartnerControls">
+  <documentManagement/>
+</p:properties>
 </file>
 
 <file path=customXml/itemProps1.xml><?xml version="1.0" encoding="utf-8"?>
-<ds:datastoreItem xmlns:ds="http://schemas.openxmlformats.org/officeDocument/2006/customXml" ds:itemID="{2231D688-9593-4D1C-8CFB-F462FC796464}">
+<ds:datastoreItem xmlns:ds="http://schemas.openxmlformats.org/officeDocument/2006/customXml" ds:itemID="{F8438D8E-6DA6-4F8C-8F78-072562F9FD88}">
   <ds:schemaRefs>
-    <ds:schemaRef ds:uri="http://purl.org/dc/terms/"/>
-    <ds:schemaRef ds:uri="http://schemas.openxmlformats.org/package/2006/metadata/core-properties"/>
-    <ds:schemaRef ds:uri="http://schemas.microsoft.com/office/2006/documentManagement/types"/>
-    <ds:schemaRef ds:uri="http://schemas.microsoft.com/office/infopath/2007/PartnerControls"/>
-    <ds:schemaRef ds:uri="ba0bc190-1a14-4d9a-b8d2-51c9828d1f23"/>
-    <ds:schemaRef ds:uri="http://purl.org/dc/elements/1.1/"/>
-    <ds:schemaRef ds:uri="http://schemas.microsoft.com/office/2006/metadata/properties"/>
-    <ds:schemaRef ds:uri="http://www.w3.org/XML/1998/namespace"/>
-    <ds:schemaRef ds:uri="http://purl.org/dc/dcmitype/"/>
+    <ds:schemaRef ds:uri="http://schemas.microsoft.com/sharepoint/v3/contenttype/forms"/>
   </ds:schemaRefs>
 </ds:datastoreItem>
 </file>
@@ -25305,9 +25587,17 @@
 </file>
 
 <file path=customXml/itemProps3.xml><?xml version="1.0" encoding="utf-8"?>
-<ds:datastoreItem xmlns:ds="http://schemas.openxmlformats.org/officeDocument/2006/customXml" ds:itemID="{F8438D8E-6DA6-4F8C-8F78-072562F9FD88}">
+<ds:datastoreItem xmlns:ds="http://schemas.openxmlformats.org/officeDocument/2006/customXml" ds:itemID="{2231D688-9593-4D1C-8CFB-F462FC796464}">
   <ds:schemaRefs>
-    <ds:schemaRef ds:uri="http://schemas.microsoft.com/sharepoint/v3/contenttype/forms"/>
+    <ds:schemaRef ds:uri="http://purl.org/dc/terms/"/>
+    <ds:schemaRef ds:uri="http://schemas.openxmlformats.org/package/2006/metadata/core-properties"/>
+    <ds:schemaRef ds:uri="http://schemas.microsoft.com/office/2006/documentManagement/types"/>
+    <ds:schemaRef ds:uri="http://schemas.microsoft.com/office/infopath/2007/PartnerControls"/>
+    <ds:schemaRef ds:uri="ba0bc190-1a14-4d9a-b8d2-51c9828d1f23"/>
+    <ds:schemaRef ds:uri="http://purl.org/dc/elements/1.1/"/>
+    <ds:schemaRef ds:uri="http://schemas.microsoft.com/office/2006/metadata/properties"/>
+    <ds:schemaRef ds:uri="http://www.w3.org/XML/1998/namespace"/>
+    <ds:schemaRef ds:uri="http://purl.org/dc/dcmitype/"/>
   </ds:schemaRefs>
 </ds:datastoreItem>
 </file>